--- a/presentation/Java webminar part 1.potx.pptx
+++ b/presentation/Java webminar part 1.potx.pptx
@@ -5,7 +5,7 @@
     <p:sldMasterId id="2147483648" r:id="rId1"/>
   </p:sldMasterIdLst>
   <p:notesMasterIdLst>
-    <p:notesMasterId r:id="rId11"/>
+    <p:notesMasterId r:id="rId13"/>
   </p:notesMasterIdLst>
   <p:sldIdLst>
     <p:sldId id="257" r:id="rId2"/>
@@ -17,6 +17,8 @@
     <p:sldId id="263" r:id="rId8"/>
     <p:sldId id="264" r:id="rId9"/>
     <p:sldId id="265" r:id="rId10"/>
+    <p:sldId id="267" r:id="rId11"/>
+    <p:sldId id="268" r:id="rId12"/>
   </p:sldIdLst>
   <p:sldSz cx="12192000" cy="6858000"/>
   <p:notesSz cx="6858000" cy="9144000"/>
@@ -261,7 +263,7 @@
           <a:p>
             <a:fld id="{81169884-818A-4134-8A1D-C9395B2A8FBB}" type="datetimeFigureOut">
               <a:rPr lang="ru-RU" smtClean="0"/>
-              <a:t>08.11.2016</a:t>
+              <a:t>09.11.2016</a:t>
             </a:fld>
             <a:endParaRPr lang="ru-RU"/>
           </a:p>
@@ -593,7 +595,7 @@
           <a:p>
             <a:fld id="{E3DA3008-C384-4B43-94E8-65D2E1FD0092}" type="slidenum">
               <a:rPr lang="ru-RU" smtClean="0"/>
-              <a:t>‹#›</a:t>
+              <a:t>3</a:t>
             </a:fld>
             <a:endParaRPr lang="ru-RU"/>
           </a:p>
@@ -761,7 +763,7 @@
           <a:p>
             <a:fld id="{E3DA3008-C384-4B43-94E8-65D2E1FD0092}" type="slidenum">
               <a:rPr lang="ru-RU" smtClean="0"/>
-              <a:t>4</a:t>
+              <a:t>5</a:t>
             </a:fld>
             <a:endParaRPr lang="ru-RU"/>
           </a:p>
@@ -1097,7 +1099,7 @@
           <a:p>
             <a:fld id="{E3DA3008-C384-4B43-94E8-65D2E1FD0092}" type="slidenum">
               <a:rPr lang="ru-RU" smtClean="0"/>
-              <a:t>8</a:t>
+              <a:t>9</a:t>
             </a:fld>
             <a:endParaRPr lang="ru-RU"/>
           </a:p>
@@ -1107,6 +1109,174 @@
     <p:extLst>
       <p:ext uri="{BB962C8B-B14F-4D97-AF65-F5344CB8AC3E}">
         <p14:creationId xmlns:p14="http://schemas.microsoft.com/office/powerpoint/2010/main" val="3025999245"/>
+      </p:ext>
+    </p:extLst>
+  </p:cSld>
+  <p:clrMapOvr>
+    <a:masterClrMapping/>
+  </p:clrMapOvr>
+</p:notes>
+</file>
+
+<file path=ppt/notesSlides/notesSlide8.xml><?xml version="1.0" encoding="utf-8"?>
+<p:notes xmlns:a="http://schemas.openxmlformats.org/drawingml/2006/main" xmlns:r="http://schemas.openxmlformats.org/officeDocument/2006/relationships" xmlns:p="http://schemas.openxmlformats.org/presentationml/2006/main">
+  <p:cSld>
+    <p:spTree>
+      <p:nvGrpSpPr>
+        <p:cNvPr id="1" name=""/>
+        <p:cNvGrpSpPr/>
+        <p:nvPr/>
+      </p:nvGrpSpPr>
+      <p:grpSpPr>
+        <a:xfrm>
+          <a:off x="0" y="0"/>
+          <a:ext cx="0" cy="0"/>
+          <a:chOff x="0" y="0"/>
+          <a:chExt cx="0" cy="0"/>
+        </a:xfrm>
+      </p:grpSpPr>
+      <p:sp>
+        <p:nvSpPr>
+          <p:cNvPr id="2" name="Образ слайда 1"/>
+          <p:cNvSpPr>
+            <a:spLocks noGrp="1" noRot="1" noChangeAspect="1"/>
+          </p:cNvSpPr>
+          <p:nvPr>
+            <p:ph type="sldImg"/>
+          </p:nvPr>
+        </p:nvSpPr>
+        <p:spPr/>
+      </p:sp>
+      <p:sp>
+        <p:nvSpPr>
+          <p:cNvPr id="3" name="Заметки 2"/>
+          <p:cNvSpPr>
+            <a:spLocks noGrp="1"/>
+          </p:cNvSpPr>
+          <p:nvPr>
+            <p:ph type="body" idx="1"/>
+          </p:nvPr>
+        </p:nvSpPr>
+        <p:spPr/>
+        <p:txBody>
+          <a:bodyPr/>
+          <a:lstStyle/>
+          <a:p>
+            <a:endParaRPr lang="ru-RU"/>
+          </a:p>
+        </p:txBody>
+      </p:sp>
+      <p:sp>
+        <p:nvSpPr>
+          <p:cNvPr id="4" name="Номер слайда 3"/>
+          <p:cNvSpPr>
+            <a:spLocks noGrp="1"/>
+          </p:cNvSpPr>
+          <p:nvPr>
+            <p:ph type="sldNum" sz="quarter" idx="10"/>
+          </p:nvPr>
+        </p:nvSpPr>
+        <p:spPr/>
+        <p:txBody>
+          <a:bodyPr/>
+          <a:lstStyle/>
+          <a:p>
+            <a:fld id="{E3DA3008-C384-4B43-94E8-65D2E1FD0092}" type="slidenum">
+              <a:rPr lang="ru-RU" smtClean="0"/>
+              <a:t>10</a:t>
+            </a:fld>
+            <a:endParaRPr lang="ru-RU"/>
+          </a:p>
+        </p:txBody>
+      </p:sp>
+    </p:spTree>
+    <p:extLst>
+      <p:ext uri="{BB962C8B-B14F-4D97-AF65-F5344CB8AC3E}">
+        <p14:creationId xmlns:p14="http://schemas.microsoft.com/office/powerpoint/2010/main" val="1934778588"/>
+      </p:ext>
+    </p:extLst>
+  </p:cSld>
+  <p:clrMapOvr>
+    <a:masterClrMapping/>
+  </p:clrMapOvr>
+</p:notes>
+</file>
+
+<file path=ppt/notesSlides/notesSlide9.xml><?xml version="1.0" encoding="utf-8"?>
+<p:notes xmlns:a="http://schemas.openxmlformats.org/drawingml/2006/main" xmlns:r="http://schemas.openxmlformats.org/officeDocument/2006/relationships" xmlns:p="http://schemas.openxmlformats.org/presentationml/2006/main">
+  <p:cSld>
+    <p:spTree>
+      <p:nvGrpSpPr>
+        <p:cNvPr id="1" name=""/>
+        <p:cNvGrpSpPr/>
+        <p:nvPr/>
+      </p:nvGrpSpPr>
+      <p:grpSpPr>
+        <a:xfrm>
+          <a:off x="0" y="0"/>
+          <a:ext cx="0" cy="0"/>
+          <a:chOff x="0" y="0"/>
+          <a:chExt cx="0" cy="0"/>
+        </a:xfrm>
+      </p:grpSpPr>
+      <p:sp>
+        <p:nvSpPr>
+          <p:cNvPr id="2" name="Образ слайда 1"/>
+          <p:cNvSpPr>
+            <a:spLocks noGrp="1" noRot="1" noChangeAspect="1"/>
+          </p:cNvSpPr>
+          <p:nvPr>
+            <p:ph type="sldImg"/>
+          </p:nvPr>
+        </p:nvSpPr>
+        <p:spPr/>
+      </p:sp>
+      <p:sp>
+        <p:nvSpPr>
+          <p:cNvPr id="3" name="Заметки 2"/>
+          <p:cNvSpPr>
+            <a:spLocks noGrp="1"/>
+          </p:cNvSpPr>
+          <p:nvPr>
+            <p:ph type="body" idx="1"/>
+          </p:nvPr>
+        </p:nvSpPr>
+        <p:spPr/>
+        <p:txBody>
+          <a:bodyPr/>
+          <a:lstStyle/>
+          <a:p>
+            <a:endParaRPr lang="ru-RU"/>
+          </a:p>
+        </p:txBody>
+      </p:sp>
+      <p:sp>
+        <p:nvSpPr>
+          <p:cNvPr id="4" name="Номер слайда 3"/>
+          <p:cNvSpPr>
+            <a:spLocks noGrp="1"/>
+          </p:cNvSpPr>
+          <p:nvPr>
+            <p:ph type="sldNum" sz="quarter" idx="10"/>
+          </p:nvPr>
+        </p:nvSpPr>
+        <p:spPr/>
+        <p:txBody>
+          <a:bodyPr/>
+          <a:lstStyle/>
+          <a:p>
+            <a:fld id="{E3DA3008-C384-4B43-94E8-65D2E1FD0092}" type="slidenum">
+              <a:rPr lang="ru-RU" smtClean="0"/>
+              <a:t>10</a:t>
+            </a:fld>
+            <a:endParaRPr lang="ru-RU"/>
+          </a:p>
+        </p:txBody>
+      </p:sp>
+    </p:spTree>
+    <p:extLst>
+      <p:ext uri="{BB962C8B-B14F-4D97-AF65-F5344CB8AC3E}">
+        <p14:creationId xmlns:p14="http://schemas.microsoft.com/office/powerpoint/2010/main" val="1863563035"/>
       </p:ext>
     </p:extLst>
   </p:cSld>
@@ -7627,6 +7797,218 @@
 </p:sld>
 </file>
 
+<file path=ppt/slides/slide10.xml><?xml version="1.0" encoding="utf-8"?>
+<p:sld xmlns:a="http://schemas.openxmlformats.org/drawingml/2006/main" xmlns:r="http://schemas.openxmlformats.org/officeDocument/2006/relationships" xmlns:p="http://schemas.openxmlformats.org/presentationml/2006/main">
+  <p:cSld>
+    <p:spTree>
+      <p:nvGrpSpPr>
+        <p:cNvPr id="1" name=""/>
+        <p:cNvGrpSpPr/>
+        <p:nvPr/>
+      </p:nvGrpSpPr>
+      <p:grpSpPr>
+        <a:xfrm>
+          <a:off x="0" y="0"/>
+          <a:ext cx="0" cy="0"/>
+          <a:chOff x="0" y="0"/>
+          <a:chExt cx="0" cy="0"/>
+        </a:xfrm>
+      </p:grpSpPr>
+      <p:sp>
+        <p:nvSpPr>
+          <p:cNvPr id="2" name="Заголовок 1"/>
+          <p:cNvSpPr>
+            <a:spLocks noGrp="1"/>
+          </p:cNvSpPr>
+          <p:nvPr>
+            <p:ph type="title"/>
+          </p:nvPr>
+        </p:nvSpPr>
+        <p:spPr/>
+        <p:txBody>
+          <a:bodyPr/>
+          <a:lstStyle/>
+          <a:p>
+            <a:r>
+              <a:rPr lang="RU-RU" dirty="0"/>
+              <a:t>Темная магия игр.</a:t>
+            </a:r>
+            <a:endParaRPr lang="ru-RU" dirty="0"/>
+          </a:p>
+        </p:txBody>
+      </p:sp>
+      <p:sp>
+        <p:nvSpPr>
+          <p:cNvPr id="5" name="TextBox 4"/>
+          <p:cNvSpPr txBox="1"/>
+          <p:nvPr/>
+        </p:nvSpPr>
+        <p:spPr>
+          <a:xfrm>
+            <a:off x="1247775" y="2124075"/>
+            <a:ext cx="3321081" cy="369888"/>
+          </a:xfrm>
+          <a:prstGeom prst="rect">
+            <a:avLst/>
+          </a:prstGeom>
+        </p:spPr>
+        <p:txBody>
+          <a:bodyPr wrap="square" rtlCol="0" anchor="t">
+            <a:spAutoFit/>
+          </a:bodyPr>
+          <a:lstStyle/>
+          <a:p>
+            <a:pPr algn="ctr"/>
+            <a:r>
+              <a:rPr lang="RU-RU" dirty="0"/>
+              <a:t>Игровой цикл LibGDX</a:t>
+            </a:r>
+            <a:endParaRPr lang="ru-RU" dirty="0"/>
+          </a:p>
+        </p:txBody>
+      </p:sp>
+      <p:pic>
+        <p:nvPicPr>
+          <p:cNvPr id="6" name="Объект 5" descr="libgdx-game-loop.png"/>
+          <p:cNvPicPr>
+            <a:picLocks noGrp="1" noChangeAspect="1"/>
+          </p:cNvPicPr>
+          <p:nvPr>
+            <p:ph idx="1"/>
+          </p:nvPr>
+        </p:nvPicPr>
+        <p:blipFill>
+          <a:blip r:embed="rId3"/>
+          <a:stretch>
+            <a:fillRect/>
+          </a:stretch>
+        </p:blipFill>
+        <p:spPr>
+          <a:xfrm>
+            <a:off x="3676650" y="2028825"/>
+            <a:ext cx="5381248" cy="4454090"/>
+          </a:xfrm>
+        </p:spPr>
+      </p:pic>
+    </p:spTree>
+    <p:extLst>
+      <p:ext uri="{BB962C8B-B14F-4D97-AF65-F5344CB8AC3E}">
+        <p14:creationId xmlns:p14="http://schemas.microsoft.com/office/powerpoint/2010/main" val="3170845726"/>
+      </p:ext>
+    </p:extLst>
+  </p:cSld>
+  <p:clrMapOvr>
+    <a:masterClrMapping/>
+  </p:clrMapOvr>
+</p:sld>
+</file>
+
+<file path=ppt/slides/slide11.xml><?xml version="1.0" encoding="utf-8"?>
+<p:sld xmlns:a="http://schemas.openxmlformats.org/drawingml/2006/main" xmlns:r="http://schemas.openxmlformats.org/officeDocument/2006/relationships" xmlns:p="http://schemas.openxmlformats.org/presentationml/2006/main">
+  <p:cSld>
+    <p:spTree>
+      <p:nvGrpSpPr>
+        <p:cNvPr id="1" name=""/>
+        <p:cNvGrpSpPr/>
+        <p:nvPr/>
+      </p:nvGrpSpPr>
+      <p:grpSpPr>
+        <a:xfrm>
+          <a:off x="0" y="0"/>
+          <a:ext cx="0" cy="0"/>
+          <a:chOff x="0" y="0"/>
+          <a:chExt cx="0" cy="0"/>
+        </a:xfrm>
+      </p:grpSpPr>
+      <p:sp>
+        <p:nvSpPr>
+          <p:cNvPr id="2" name="Заголовок 1"/>
+          <p:cNvSpPr>
+            <a:spLocks noGrp="1"/>
+          </p:cNvSpPr>
+          <p:nvPr>
+            <p:ph type="title"/>
+          </p:nvPr>
+        </p:nvSpPr>
+        <p:spPr/>
+        <p:txBody>
+          <a:bodyPr/>
+          <a:lstStyle/>
+          <a:p>
+            <a:r>
+              <a:rPr lang="RU-RU" dirty="0"/>
+              <a:t>Темная магия игр.</a:t>
+            </a:r>
+            <a:endParaRPr lang="ru-RU" dirty="0"/>
+          </a:p>
+        </p:txBody>
+      </p:sp>
+      <p:sp>
+        <p:nvSpPr>
+          <p:cNvPr id="5" name="TextBox 4"/>
+          <p:cNvSpPr txBox="1"/>
+          <p:nvPr/>
+        </p:nvSpPr>
+        <p:spPr>
+          <a:xfrm>
+            <a:off x="1247775" y="2028825"/>
+            <a:ext cx="3170615" cy="369888"/>
+          </a:xfrm>
+          <a:prstGeom prst="rect">
+            <a:avLst/>
+          </a:prstGeom>
+        </p:spPr>
+        <p:txBody>
+          <a:bodyPr wrap="square" rtlCol="0" anchor="t">
+            <a:spAutoFit/>
+          </a:bodyPr>
+          <a:lstStyle/>
+          <a:p>
+            <a:pPr algn="ctr"/>
+            <a:r>
+              <a:rPr lang="RU-RU" dirty="0"/>
+              <a:t>Координаты в LibGDX</a:t>
+            </a:r>
+            <a:endParaRPr lang="ru-RU" dirty="0"/>
+          </a:p>
+        </p:txBody>
+      </p:sp>
+      <p:pic>
+        <p:nvPicPr>
+          <p:cNvPr id="6" name="Объект 5" descr="2016-11-09_02-26-26_xy.png"/>
+          <p:cNvPicPr>
+            <a:picLocks noGrp="1" noChangeAspect="1"/>
+          </p:cNvPicPr>
+          <p:nvPr>
+            <p:ph idx="1"/>
+          </p:nvPr>
+        </p:nvPicPr>
+        <p:blipFill>
+          <a:blip r:embed="rId3"/>
+          <a:stretch>
+            <a:fillRect/>
+          </a:stretch>
+        </p:blipFill>
+        <p:spPr>
+          <a:xfrm>
+            <a:off x="3267075" y="2497886"/>
+            <a:ext cx="6230841" cy="3985232"/>
+          </a:xfrm>
+        </p:spPr>
+      </p:pic>
+    </p:spTree>
+    <p:extLst>
+      <p:ext uri="{BB962C8B-B14F-4D97-AF65-F5344CB8AC3E}">
+        <p14:creationId xmlns:p14="http://schemas.microsoft.com/office/powerpoint/2010/main" val="2724576912"/>
+      </p:ext>
+    </p:extLst>
+  </p:cSld>
+  <p:clrMapOvr>
+    <a:masterClrMapping/>
+  </p:clrMapOvr>
+</p:sld>
+</file>
+
 <file path=ppt/slides/slide2.xml><?xml version="1.0" encoding="utf-8"?>
 <p:sld xmlns:a="http://schemas.openxmlformats.org/drawingml/2006/main" xmlns:r="http://schemas.openxmlformats.org/officeDocument/2006/relationships" xmlns:p="http://schemas.openxmlformats.org/presentationml/2006/main">
   <p:cSld>
@@ -8789,29 +9171,29 @@
           </a:p>
         </p:txBody>
       </p:sp>
-      <p:sp>
-        <p:nvSpPr>
-          <p:cNvPr id="3" name="Объект 2"/>
-          <p:cNvSpPr>
-            <a:spLocks noGrp="1"/>
-          </p:cNvSpPr>
+      <p:pic>
+        <p:nvPicPr>
+          <p:cNvPr id="5" name="Объект 4"/>
+          <p:cNvPicPr>
+            <a:picLocks noGrp="1" noChangeAspect="1"/>
+          </p:cNvPicPr>
           <p:nvPr>
             <p:ph idx="1"/>
           </p:nvPr>
-        </p:nvSpPr>
-        <p:spPr/>
-        <p:txBody>
-          <a:bodyPr/>
-          <a:lstStyle/>
-          <a:p>
-            <a:pPr marL="457200" indent="-457200">
-              <a:buFont typeface="+mj-lt"/>
-              <a:buAutoNum type="arabicPeriod"/>
-            </a:pPr>
-            <a:endParaRPr lang="RU-RU" dirty="0"/>
-          </a:p>
-        </p:txBody>
-      </p:sp>
+        </p:nvPicPr>
+        <p:blipFill>
+          <a:blip r:embed="rId3"/>
+          <a:stretch>
+            <a:fillRect/>
+          </a:stretch>
+        </p:blipFill>
+        <p:spPr>
+          <a:xfrm>
+            <a:off x="2690943" y="3352800"/>
+            <a:ext cx="6812607" cy="1459423"/>
+          </a:xfrm>
+        </p:spPr>
+      </p:pic>
       <p:sp>
         <p:nvSpPr>
           <p:cNvPr id="4" name="TextBox 3"/>
@@ -8895,29 +9277,29 @@
           </a:p>
         </p:txBody>
       </p:sp>
-      <p:sp>
-        <p:nvSpPr>
-          <p:cNvPr id="3" name="Объект 2"/>
-          <p:cNvSpPr>
-            <a:spLocks noGrp="1"/>
-          </p:cNvSpPr>
+      <p:pic>
+        <p:nvPicPr>
+          <p:cNvPr id="5" name="Объект 4"/>
+          <p:cNvPicPr>
+            <a:picLocks noGrp="1" noChangeAspect="1"/>
+          </p:cNvPicPr>
           <p:nvPr>
             <p:ph idx="1"/>
           </p:nvPr>
-        </p:nvSpPr>
-        <p:spPr/>
-        <p:txBody>
-          <a:bodyPr/>
-          <a:lstStyle/>
-          <a:p>
-            <a:pPr marL="457200" indent="-457200">
-              <a:buFont typeface="+mj-lt"/>
-              <a:buAutoNum type="arabicPeriod"/>
-            </a:pPr>
-            <a:endParaRPr lang="ru-RU" dirty="0"/>
-          </a:p>
-        </p:txBody>
-      </p:sp>
+        </p:nvPicPr>
+        <p:blipFill>
+          <a:blip r:embed="rId3"/>
+          <a:stretch>
+            <a:fillRect/>
+          </a:stretch>
+        </p:blipFill>
+        <p:spPr>
+          <a:xfrm>
+            <a:off x="2367452" y="3086100"/>
+            <a:ext cx="7442743" cy="1758573"/>
+          </a:xfrm>
+        </p:spPr>
+      </p:pic>
       <p:sp>
         <p:nvSpPr>
           <p:cNvPr id="4" name="TextBox 3"/>
